--- a/meterials/slides/ch06-many-to-many-mapping.pptx
+++ b/meterials/slides/ch06-many-to-many-mapping.pptx
@@ -288,7 +288,7 @@
           <a:p>
             <a:fld id="{8C6DAAC4-3F4D-4BC2-99C2-C888EF35166D}" type="datetimeFigureOut">
               <a:rPr lang="zh-CN" altLang="en-US" smtClean="0"/>
-              <a:t>2017/9/5</a:t>
+              <a:t>2017/9/6</a:t>
             </a:fld>
             <a:endParaRPr lang="zh-CN" altLang="en-US"/>
           </a:p>
@@ -4448,16 +4448,16 @@
               <a:t> Set&lt;Course&gt; </a:t>
             </a:r>
             <a:r>
-              <a:rPr lang="en-US" altLang="zh-CN" sz="2800" b="1" i="0">
+              <a:rPr lang="en-US" altLang="zh-CN" sz="2800" b="1" i="0" smtClean="0">
                 <a:solidFill>
                   <a:srgbClr val="0000C0"/>
                 </a:solidFill>
                 <a:latin typeface="Consolas" panose="020B0609020204030204" pitchFamily="49" charset="0"/>
               </a:rPr>
-              <a:t>course</a:t>
-            </a:r>
-            <a:r>
-              <a:rPr lang="en-US" altLang="zh-CN" sz="2800" b="1" i="0">
+              <a:t>courseSet</a:t>
+            </a:r>
+            <a:r>
+              <a:rPr lang="en-US" altLang="zh-CN" sz="2800" b="1" i="0" smtClean="0">
                 <a:solidFill>
                   <a:srgbClr val="000000"/>
                 </a:solidFill>
@@ -4925,22 +4925,13 @@
               <a:t> Set&lt;Student&gt; </a:t>
             </a:r>
             <a:r>
-              <a:rPr lang="en-US" altLang="zh-CN" sz="2800" b="1" i="0">
+              <a:rPr lang="en-US" altLang="zh-CN" sz="2800" b="1" i="0" smtClean="0">
                 <a:solidFill>
                   <a:srgbClr val="0000C0"/>
                 </a:solidFill>
                 <a:latin typeface="Consolas" panose="020B0609020204030204" pitchFamily="49" charset="0"/>
               </a:rPr>
-              <a:t>student</a:t>
-            </a:r>
-            <a:r>
-              <a:rPr lang="en-US" altLang="zh-CN" sz="2800" b="1" i="0">
-                <a:solidFill>
-                  <a:srgbClr val="000000"/>
-                </a:solidFill>
-                <a:latin typeface="Consolas" panose="020B0609020204030204" pitchFamily="49" charset="0"/>
-              </a:rPr>
-              <a:t> </a:t>
+              <a:t>studentSet</a:t>
             </a:r>
             <a:endParaRPr lang="en-US" altLang="zh-CN" sz="2800" b="1" i="0" smtClean="0">
               <a:solidFill>
@@ -5231,7 +5222,16 @@
                 </a:solidFill>
                 <a:latin typeface="Consolas" panose="020B0609020204030204" pitchFamily="49" charset="0"/>
               </a:rPr>
-              <a:t>"course" </a:t>
+              <a:t>"</a:t>
+            </a:r>
+            <a:r>
+              <a:rPr lang="en-US" altLang="zh-CN" sz="2800" b="1" i="0" smtClean="0">
+                <a:solidFill>
+                  <a:srgbClr val="2A00FF"/>
+                </a:solidFill>
+                <a:latin typeface="Consolas" panose="020B0609020204030204" pitchFamily="49" charset="0"/>
+              </a:rPr>
+              <a:t>courseSet" </a:t>
             </a:r>
             <a:r>
               <a:rPr lang="en-US" altLang="zh-CN" sz="2800" b="1" i="0" smtClean="0">
@@ -5659,7 +5659,16 @@
                 </a:solidFill>
                 <a:latin typeface="Consolas" panose="020B0609020204030204" pitchFamily="49" charset="0"/>
               </a:rPr>
-              <a:t>"student" </a:t>
+              <a:t>"</a:t>
+            </a:r>
+            <a:r>
+              <a:rPr lang="en-US" altLang="zh-CN" sz="2800" b="1" i="0" smtClean="0">
+                <a:solidFill>
+                  <a:srgbClr val="2A00FF"/>
+                </a:solidFill>
+                <a:latin typeface="Consolas" panose="020B0609020204030204" pitchFamily="49" charset="0"/>
+              </a:rPr>
+              <a:t>studentSet" </a:t>
             </a:r>
             <a:r>
               <a:rPr lang="en-US" altLang="zh-CN" sz="2800" b="1" i="0">
@@ -6026,11 +6035,7 @@
             </a:r>
             <a:r>
               <a:rPr lang="zh-CN" altLang="en-US" smtClean="0"/>
-              <a:t>元素</a:t>
-            </a:r>
-            <a:r>
-              <a:rPr lang="zh-CN" altLang="en-US" smtClean="0"/>
-              <a:t>属性。</a:t>
+              <a:t>元素属性。</a:t>
             </a:r>
             <a:endParaRPr lang="en-US" altLang="zh-CN" dirty="0" smtClean="0"/>
           </a:p>
@@ -6050,11 +6055,7 @@
             </a:r>
             <a:r>
               <a:rPr lang="zh-CN" altLang="en-US" sz="3200" smtClean="0"/>
-              <a:t>属性</a:t>
-            </a:r>
-            <a:r>
-              <a:rPr lang="zh-CN" altLang="en-US" sz="3200" smtClean="0"/>
-              <a:t>名；</a:t>
+              <a:t>属性名；</a:t>
             </a:r>
             <a:endParaRPr lang="en-US" altLang="zh-CN" sz="3200" dirty="0" smtClean="0"/>
           </a:p>
@@ -6074,11 +6075,7 @@
             </a:r>
             <a:r>
               <a:rPr lang="zh-CN" altLang="en-US" sz="3200" smtClean="0"/>
-              <a:t>中间</a:t>
-            </a:r>
-            <a:r>
-              <a:rPr lang="zh-CN" altLang="en-US" sz="3200" smtClean="0"/>
-              <a:t>表；</a:t>
+              <a:t>中间表；</a:t>
             </a:r>
             <a:endParaRPr lang="en-US" altLang="zh-CN" sz="3200" dirty="0" smtClean="0"/>
           </a:p>
@@ -6142,11 +6139,7 @@
             </a:r>
             <a:r>
               <a:rPr lang="zh-CN" altLang="en-US" smtClean="0"/>
-              <a:t>子</a:t>
-            </a:r>
-            <a:r>
-              <a:rPr lang="zh-CN" altLang="en-US" smtClean="0"/>
-              <a:t>元素。</a:t>
+              <a:t>子元素。</a:t>
             </a:r>
             <a:endParaRPr lang="en-US" altLang="zh-CN" dirty="0"/>
           </a:p>
@@ -6174,11 +6167,7 @@
             </a:r>
             <a:r>
               <a:rPr lang="zh-CN" altLang="en-US" sz="3200" smtClean="0"/>
-              <a:t>外</a:t>
-            </a:r>
-            <a:r>
-              <a:rPr lang="zh-CN" altLang="en-US" sz="3200" smtClean="0"/>
-              <a:t>键；</a:t>
+              <a:t>外键；</a:t>
             </a:r>
             <a:endParaRPr lang="en-US" altLang="zh-CN" sz="3200" dirty="0" smtClean="0"/>
           </a:p>
@@ -6357,11 +6346,7 @@
             </a:r>
             <a:r>
               <a:rPr lang="zh-CN" altLang="en-US" sz="3200" smtClean="0"/>
-              <a:t>控</a:t>
-            </a:r>
-            <a:r>
-              <a:rPr lang="zh-CN" altLang="en-US" sz="3200" smtClean="0"/>
-              <a:t>方；</a:t>
+              <a:t>控方；</a:t>
             </a:r>
             <a:endParaRPr lang="en-US" altLang="zh-CN" sz="3200" dirty="0" smtClean="0"/>
           </a:p>
@@ -6493,15 +6478,11 @@
             </a:r>
             <a:r>
               <a:rPr lang="en-US" altLang="zh-CN" smtClean="0"/>
-              <a:t>course </a:t>
+              <a:t>courseSet </a:t>
             </a:r>
             <a:r>
               <a:rPr lang="zh-CN" altLang="en-US" smtClean="0"/>
-              <a:t>属性上</a:t>
-            </a:r>
-            <a:r>
-              <a:rPr lang="zh-CN" altLang="en-US" smtClean="0"/>
-              <a:t>配置。</a:t>
+              <a:t>属性上配置。</a:t>
             </a:r>
             <a:endParaRPr lang="en-US" altLang="zh-CN" dirty="0" smtClean="0"/>
           </a:p>
@@ -6903,15 +6884,15 @@
             </a:r>
             <a:r>
               <a:rPr lang="en-US" altLang="zh-CN" i="0" kern="0" smtClean="0"/>
-              <a:t> student </a:t>
+              <a:t> </a:t>
+            </a:r>
+            <a:r>
+              <a:rPr lang="en-US" altLang="zh-CN" i="0" kern="0" smtClean="0"/>
+              <a:t>studentSet </a:t>
             </a:r>
             <a:r>
               <a:rPr lang="zh-CN" altLang="en-US" i="0" kern="0" smtClean="0"/>
-              <a:t>属性上</a:t>
-            </a:r>
-            <a:r>
-              <a:rPr lang="zh-CN" altLang="en-US" i="0" kern="0" smtClean="0"/>
-              <a:t>配置。</a:t>
+              <a:t>属性上配置。</a:t>
             </a:r>
             <a:endParaRPr lang="en-US" altLang="zh-CN" i="0" kern="0" dirty="0" smtClean="0"/>
           </a:p>
@@ -11967,6 +11948,30 @@
           <a:chExt cx="0" cy="0"/>
         </a:xfrm>
       </p:grpSpPr>
+      <p:pic>
+        <p:nvPicPr>
+          <p:cNvPr id="2" name="图片 1"/>
+          <p:cNvPicPr>
+            <a:picLocks noChangeAspect="1"/>
+          </p:cNvPicPr>
+          <p:nvPr/>
+        </p:nvPicPr>
+        <p:blipFill>
+          <a:blip r:embed="rId2"/>
+          <a:stretch>
+            <a:fillRect/>
+          </a:stretch>
+        </p:blipFill>
+        <p:spPr>
+          <a:xfrm>
+            <a:off x="1559495" y="2038536"/>
+            <a:ext cx="8957331" cy="2686608"/>
+          </a:xfrm>
+          <a:prstGeom prst="rect">
+            <a:avLst/>
+          </a:prstGeom>
+        </p:spPr>
+      </p:pic>
       <p:sp>
         <p:nvSpPr>
           <p:cNvPr id="29698" name="标题 1"/>
@@ -11989,37 +11994,6 @@
           </a:p>
         </p:txBody>
       </p:sp>
-      <p:pic>
-        <p:nvPicPr>
-          <p:cNvPr id="6" name="图片 5"/>
-          <p:cNvPicPr>
-            <a:picLocks noChangeAspect="1"/>
-          </p:cNvPicPr>
-          <p:nvPr/>
-        </p:nvPicPr>
-        <p:blipFill>
-          <a:blip r:embed="rId2"/>
-          <a:stretch>
-            <a:fillRect/>
-          </a:stretch>
-        </p:blipFill>
-        <p:spPr>
-          <a:xfrm>
-            <a:off x="1559496" y="2060848"/>
-            <a:ext cx="8957330" cy="2376264"/>
-          </a:xfrm>
-          <a:prstGeom prst="rect">
-            <a:avLst/>
-          </a:prstGeom>
-          <a:effectLst>
-            <a:outerShdw blurRad="50800" dist="38100" dir="2700000" algn="tl" rotWithShape="0">
-              <a:prstClr val="black">
-                <a:alpha val="40000"/>
-              </a:prstClr>
-            </a:outerShdw>
-          </a:effectLst>
-        </p:spPr>
-      </p:pic>
     </p:spTree>
     <p:extLst>
       <p:ext uri="{BB962C8B-B14F-4D97-AF65-F5344CB8AC3E}">
